--- a/研一上/软件缺陷修复/基于搜索的修复/Toward Better Evolutionary Program Repair.pptx
+++ b/研一上/软件缺陷修复/基于搜索的修复/Toward Better Evolutionary Program Repair.pptx
@@ -238,7 +238,7 @@
           <a:p>
             <a:fld id="{E9322016-10F6-433F-8A73-AEE06F02DA3F}" type="datetimeFigureOut">
               <a:rPr lang="zh-CN" altLang="en-US" smtClean="0"/>
-              <a:t>2021/10/29</a:t>
+              <a:t>2023/3/22</a:t>
             </a:fld>
             <a:endParaRPr lang="zh-CN" altLang="en-US"/>
           </a:p>
@@ -732,7 +732,7 @@
           <a:p>
             <a:fld id="{D997B5FA-0921-464F-AAE1-844C04324D75}" type="datetimeFigureOut">
               <a:rPr lang="zh-CN" altLang="en-US" smtClean="0"/>
-              <a:t>2021/10/29</a:t>
+              <a:t>2023/3/22</a:t>
             </a:fld>
             <a:endParaRPr lang="zh-CN" altLang="en-US"/>
           </a:p>
@@ -903,7 +903,7 @@
           <a:p>
             <a:fld id="{D997B5FA-0921-464F-AAE1-844C04324D75}" type="datetimeFigureOut">
               <a:rPr lang="zh-CN" altLang="en-US" smtClean="0"/>
-              <a:t>2021/10/29</a:t>
+              <a:t>2023/3/22</a:t>
             </a:fld>
             <a:endParaRPr lang="zh-CN" altLang="en-US"/>
           </a:p>
@@ -1084,7 +1084,7 @@
           <a:p>
             <a:fld id="{D997B5FA-0921-464F-AAE1-844C04324D75}" type="datetimeFigureOut">
               <a:rPr lang="zh-CN" altLang="en-US" smtClean="0"/>
-              <a:t>2021/10/29</a:t>
+              <a:t>2023/3/22</a:t>
             </a:fld>
             <a:endParaRPr lang="zh-CN" altLang="en-US"/>
           </a:p>
@@ -1284,7 +1284,7 @@
                 </a:solidFill>
               </a:rPr>
               <a:pPr/>
-              <a:t>2021/10/29</a:t>
+              <a:t>2023/3/22</a:t>
             </a:fld>
             <a:endParaRPr lang="zh-CN" altLang="en-US">
               <a:solidFill>
@@ -1487,7 +1487,7 @@
                 </a:solidFill>
               </a:rPr>
               <a:pPr/>
-              <a:t>2021/10/29</a:t>
+              <a:t>2023/3/22</a:t>
             </a:fld>
             <a:endParaRPr lang="zh-CN" altLang="en-US">
               <a:solidFill>
@@ -1683,7 +1683,7 @@
           <a:p>
             <a:fld id="{D997B5FA-0921-464F-AAE1-844C04324D75}" type="datetimeFigureOut">
               <a:rPr lang="zh-CN" altLang="en-US" smtClean="0"/>
-              <a:t>2021/10/29</a:t>
+              <a:t>2023/3/22</a:t>
             </a:fld>
             <a:endParaRPr lang="zh-CN" altLang="en-US"/>
           </a:p>
@@ -1931,7 +1931,7 @@
           <a:p>
             <a:fld id="{D997B5FA-0921-464F-AAE1-844C04324D75}" type="datetimeFigureOut">
               <a:rPr lang="zh-CN" altLang="en-US" smtClean="0"/>
-              <a:t>2021/10/29</a:t>
+              <a:t>2023/3/22</a:t>
             </a:fld>
             <a:endParaRPr lang="zh-CN" altLang="en-US"/>
           </a:p>
@@ -2163,7 +2163,7 @@
           <a:p>
             <a:fld id="{D997B5FA-0921-464F-AAE1-844C04324D75}" type="datetimeFigureOut">
               <a:rPr lang="zh-CN" altLang="en-US" smtClean="0"/>
-              <a:t>2021/10/29</a:t>
+              <a:t>2023/3/22</a:t>
             </a:fld>
             <a:endParaRPr lang="zh-CN" altLang="en-US"/>
           </a:p>
@@ -2530,7 +2530,7 @@
           <a:p>
             <a:fld id="{D997B5FA-0921-464F-AAE1-844C04324D75}" type="datetimeFigureOut">
               <a:rPr lang="zh-CN" altLang="en-US" smtClean="0"/>
-              <a:t>2021/10/29</a:t>
+              <a:t>2023/3/22</a:t>
             </a:fld>
             <a:endParaRPr lang="zh-CN" altLang="en-US"/>
           </a:p>
@@ -2650,7 +2650,7 @@
           <a:p>
             <a:fld id="{D997B5FA-0921-464F-AAE1-844C04324D75}" type="datetimeFigureOut">
               <a:rPr lang="zh-CN" altLang="en-US" smtClean="0"/>
-              <a:t>2021/10/29</a:t>
+              <a:t>2023/3/22</a:t>
             </a:fld>
             <a:endParaRPr lang="zh-CN" altLang="en-US"/>
           </a:p>
@@ -2748,7 +2748,7 @@
           <a:p>
             <a:fld id="{D997B5FA-0921-464F-AAE1-844C04324D75}" type="datetimeFigureOut">
               <a:rPr lang="zh-CN" altLang="en-US" smtClean="0"/>
-              <a:t>2021/10/29</a:t>
+              <a:t>2023/3/22</a:t>
             </a:fld>
             <a:endParaRPr lang="zh-CN" altLang="en-US"/>
           </a:p>
@@ -3026,7 +3026,7 @@
           <a:p>
             <a:fld id="{D997B5FA-0921-464F-AAE1-844C04324D75}" type="datetimeFigureOut">
               <a:rPr lang="zh-CN" altLang="en-US" smtClean="0"/>
-              <a:t>2021/10/29</a:t>
+              <a:t>2023/3/22</a:t>
             </a:fld>
             <a:endParaRPr lang="zh-CN" altLang="en-US"/>
           </a:p>
@@ -3281,7 +3281,7 @@
           <a:p>
             <a:fld id="{D997B5FA-0921-464F-AAE1-844C04324D75}" type="datetimeFigureOut">
               <a:rPr lang="zh-CN" altLang="en-US" smtClean="0"/>
-              <a:t>2021/10/29</a:t>
+              <a:t>2023/3/22</a:t>
             </a:fld>
             <a:endParaRPr lang="zh-CN" altLang="en-US"/>
           </a:p>
@@ -3495,7 +3495,7 @@
           <a:p>
             <a:fld id="{D997B5FA-0921-464F-AAE1-844C04324D75}" type="datetimeFigureOut">
               <a:rPr lang="zh-CN" altLang="en-US" smtClean="0"/>
-              <a:t>2021/10/29</a:t>
+              <a:t>2023/3/22</a:t>
             </a:fld>
             <a:endParaRPr lang="zh-CN" altLang="en-US"/>
           </a:p>
@@ -4053,7 +4053,7 @@
                 </a:solidFill>
               </a:rPr>
               <a:pPr/>
-              <a:t>2021/10/29</a:t>
+              <a:t>2023/3/22</a:t>
             </a:fld>
             <a:endParaRPr lang="zh-CN" altLang="en-US" dirty="0">
               <a:solidFill>
@@ -21772,7 +21772,7 @@
         </p:nvSpPr>
         <p:spPr>
           <a:xfrm>
-            <a:off x="657608" y="1524000"/>
+            <a:off x="859326" y="1642857"/>
             <a:ext cx="7206232" cy="461665"/>
           </a:xfrm>
           <a:prstGeom prst="rect">
